--- a/Trodimenzionalno praćenje objekata u prostoru uz predikciju kretanja.pptx
+++ b/Trodimenzionalno praćenje objekata u prostoru uz predikciju kretanja.pptx
@@ -24,7 +24,8 @@
     <p:sldId id="272" r:id="rId18"/>
     <p:sldId id="273" r:id="rId19"/>
     <p:sldId id="274" r:id="rId20"/>
-    <p:sldId id="275" r:id="rId21"/>
+    <p:sldId id="276" r:id="rId21"/>
+    <p:sldId id="275" r:id="rId22"/>
   </p:sldIdLst>
   <p:sldSz cx="9144000" cy="6858000" type="screen4x3"/>
   <p:notesSz cx="6858000" cy="9144000"/>
@@ -510,6 +511,7 @@
           <a:p>
             <a:fld id="{31490B95-45C9-4C3D-8EF6-BA656F26E083}" type="datetimeFigureOut">
               <a:rPr lang="en-US" smtClean="0"/>
+              <a:pPr/>
               <a:t>16/12/2015</a:t>
             </a:fld>
             <a:endParaRPr lang="en-US"/>
@@ -552,6 +554,7 @@
           <a:p>
             <a:fld id="{76AFD231-6231-4918-85E8-B130009A2D22}" type="slidenum">
               <a:rPr lang="en-US" smtClean="0"/>
+              <a:pPr/>
               <a:t>‹#›</a:t>
             </a:fld>
             <a:endParaRPr lang="en-US"/>
@@ -675,6 +678,7 @@
           <a:p>
             <a:fld id="{31490B95-45C9-4C3D-8EF6-BA656F26E083}" type="datetimeFigureOut">
               <a:rPr lang="en-US" smtClean="0"/>
+              <a:pPr/>
               <a:t>16/12/2015</a:t>
             </a:fld>
             <a:endParaRPr lang="en-US"/>
@@ -717,6 +721,7 @@
           <a:p>
             <a:fld id="{76AFD231-6231-4918-85E8-B130009A2D22}" type="slidenum">
               <a:rPr lang="en-US" smtClean="0"/>
+              <a:pPr/>
               <a:t>‹#›</a:t>
             </a:fld>
             <a:endParaRPr lang="en-US"/>
@@ -850,6 +855,7 @@
           <a:p>
             <a:fld id="{31490B95-45C9-4C3D-8EF6-BA656F26E083}" type="datetimeFigureOut">
               <a:rPr lang="en-US" smtClean="0"/>
+              <a:pPr/>
               <a:t>16/12/2015</a:t>
             </a:fld>
             <a:endParaRPr lang="en-US"/>
@@ -892,6 +898,7 @@
           <a:p>
             <a:fld id="{76AFD231-6231-4918-85E8-B130009A2D22}" type="slidenum">
               <a:rPr lang="en-US" smtClean="0"/>
+              <a:pPr/>
               <a:t>‹#›</a:t>
             </a:fld>
             <a:endParaRPr lang="en-US"/>
@@ -1019,6 +1026,7 @@
           <a:p>
             <a:fld id="{31490B95-45C9-4C3D-8EF6-BA656F26E083}" type="datetimeFigureOut">
               <a:rPr lang="en-US" smtClean="0"/>
+              <a:pPr/>
               <a:t>16/12/2015</a:t>
             </a:fld>
             <a:endParaRPr lang="en-US"/>
@@ -1061,6 +1069,7 @@
           <a:p>
             <a:fld id="{76AFD231-6231-4918-85E8-B130009A2D22}" type="slidenum">
               <a:rPr lang="en-US" smtClean="0"/>
+              <a:pPr/>
               <a:t>‹#›</a:t>
             </a:fld>
             <a:endParaRPr lang="en-US"/>
@@ -1474,6 +1483,7 @@
           <a:p>
             <a:fld id="{31490B95-45C9-4C3D-8EF6-BA656F26E083}" type="datetimeFigureOut">
               <a:rPr lang="en-US" smtClean="0"/>
+              <a:pPr/>
               <a:t>16/12/2015</a:t>
             </a:fld>
             <a:endParaRPr lang="en-US"/>
@@ -1516,6 +1526,7 @@
           <a:p>
             <a:fld id="{76AFD231-6231-4918-85E8-B130009A2D22}" type="slidenum">
               <a:rPr lang="en-US" smtClean="0"/>
+              <a:pPr/>
               <a:t>‹#›</a:t>
             </a:fld>
             <a:endParaRPr lang="en-US"/>
@@ -1738,6 +1749,7 @@
           <a:p>
             <a:fld id="{31490B95-45C9-4C3D-8EF6-BA656F26E083}" type="datetimeFigureOut">
               <a:rPr lang="en-US" smtClean="0"/>
+              <a:pPr/>
               <a:t>16/12/2015</a:t>
             </a:fld>
             <a:endParaRPr lang="en-US"/>
@@ -1780,6 +1792,7 @@
           <a:p>
             <a:fld id="{76AFD231-6231-4918-85E8-B130009A2D22}" type="slidenum">
               <a:rPr lang="en-US" smtClean="0"/>
+              <a:pPr/>
               <a:t>‹#›</a:t>
             </a:fld>
             <a:endParaRPr lang="en-US"/>
@@ -2112,6 +2125,7 @@
           <a:p>
             <a:fld id="{31490B95-45C9-4C3D-8EF6-BA656F26E083}" type="datetimeFigureOut">
               <a:rPr lang="en-US" smtClean="0"/>
+              <a:pPr/>
               <a:t>16/12/2015</a:t>
             </a:fld>
             <a:endParaRPr lang="en-US"/>
@@ -2154,6 +2168,7 @@
           <a:p>
             <a:fld id="{76AFD231-6231-4918-85E8-B130009A2D22}" type="slidenum">
               <a:rPr lang="en-US" smtClean="0"/>
+              <a:pPr/>
               <a:t>‹#›</a:t>
             </a:fld>
             <a:endParaRPr lang="en-US"/>
@@ -2234,6 +2249,7 @@
           <a:p>
             <a:fld id="{31490B95-45C9-4C3D-8EF6-BA656F26E083}" type="datetimeFigureOut">
               <a:rPr lang="en-US" smtClean="0"/>
+              <a:pPr/>
               <a:t>16/12/2015</a:t>
             </a:fld>
             <a:endParaRPr lang="en-US"/>
@@ -2257,6 +2273,7 @@
           <a:p>
             <a:fld id="{76AFD231-6231-4918-85E8-B130009A2D22}" type="slidenum">
               <a:rPr lang="en-US" smtClean="0"/>
+              <a:pPr/>
               <a:t>‹#›</a:t>
             </a:fld>
             <a:endParaRPr lang="en-US"/>
@@ -2324,6 +2341,7 @@
           <a:p>
             <a:fld id="{31490B95-45C9-4C3D-8EF6-BA656F26E083}" type="datetimeFigureOut">
               <a:rPr lang="en-US" smtClean="0"/>
+              <a:pPr/>
               <a:t>16/12/2015</a:t>
             </a:fld>
             <a:endParaRPr lang="en-US"/>
@@ -2366,6 +2384,7 @@
           <a:p>
             <a:fld id="{76AFD231-6231-4918-85E8-B130009A2D22}" type="slidenum">
               <a:rPr lang="en-US" smtClean="0"/>
+              <a:pPr/>
               <a:t>‹#›</a:t>
             </a:fld>
             <a:endParaRPr lang="en-US"/>
@@ -2573,6 +2592,7 @@
           <a:p>
             <a:fld id="{31490B95-45C9-4C3D-8EF6-BA656F26E083}" type="datetimeFigureOut">
               <a:rPr lang="en-US" smtClean="0"/>
+              <a:pPr/>
               <a:t>16/12/2015</a:t>
             </a:fld>
             <a:endParaRPr lang="en-US"/>
@@ -2620,6 +2640,7 @@
           <a:p>
             <a:fld id="{76AFD231-6231-4918-85E8-B130009A2D22}" type="slidenum">
               <a:rPr lang="en-US" smtClean="0"/>
+              <a:pPr/>
               <a:t>‹#›</a:t>
             </a:fld>
             <a:endParaRPr lang="en-US"/>
@@ -2832,6 +2853,7 @@
           <a:p>
             <a:fld id="{31490B95-45C9-4C3D-8EF6-BA656F26E083}" type="datetimeFigureOut">
               <a:rPr lang="en-US" smtClean="0"/>
+              <a:pPr/>
               <a:t>16/12/2015</a:t>
             </a:fld>
             <a:endParaRPr lang="en-US"/>
@@ -2874,6 +2896,7 @@
           <a:p>
             <a:fld id="{76AFD231-6231-4918-85E8-B130009A2D22}" type="slidenum">
               <a:rPr lang="en-US" smtClean="0"/>
+              <a:pPr/>
               <a:t>‹#›</a:t>
             </a:fld>
             <a:endParaRPr lang="en-US"/>
@@ -3236,6 +3259,7 @@
           <a:p>
             <a:fld id="{31490B95-45C9-4C3D-8EF6-BA656F26E083}" type="datetimeFigureOut">
               <a:rPr lang="en-US" smtClean="0"/>
+              <a:pPr/>
               <a:t>16/12/2015</a:t>
             </a:fld>
             <a:endParaRPr lang="en-US"/>
@@ -3314,6 +3338,7 @@
           <a:p>
             <a:fld id="{76AFD231-6231-4918-85E8-B130009A2D22}" type="slidenum">
               <a:rPr lang="en-US" smtClean="0"/>
+              <a:pPr/>
               <a:t>‹#›</a:t>
             </a:fld>
             <a:endParaRPr lang="en-US"/>
@@ -4024,7 +4049,6 @@
               <a:rPr lang="sr-Latn-RS" dirty="0" smtClean="0"/>
               <a:t>Faza učenje posmatra performanse tracker-a i detector-a, procenjuje greške detektora i generiše primere za obučavanje ta bi se izbegle te greške u budućnosti. Učenje se zasniva na pretpostavci da će i tracker i detector da greše.</a:t>
             </a:r>
-            <a:endParaRPr lang="sr-Latn-RS" dirty="0" smtClean="0"/>
           </a:p>
         </p:txBody>
       </p:sp>
@@ -4072,19 +4096,11 @@
           <a:p>
             <a:r>
               <a:rPr lang="sr-Latn-RS" dirty="0" smtClean="0"/>
-              <a:t>Mašinsko </a:t>
-            </a:r>
-            <a:r>
-              <a:rPr lang="sr-Latn-RS" dirty="0" smtClean="0"/>
-              <a:t>učenje - </a:t>
+              <a:t>Mašinsko učenje - </a:t>
             </a:r>
             <a:r>
               <a:rPr lang="sr-Latn-RS" b="1" u="sng" dirty="0" smtClean="0"/>
-              <a:t>P-N </a:t>
-            </a:r>
-            <a:r>
-              <a:rPr lang="sr-Latn-RS" b="1" u="sng" dirty="0" smtClean="0"/>
-              <a:t>Učenje</a:t>
+              <a:t>P-N Učenje</a:t>
             </a:r>
             <a:endParaRPr lang="en-US" b="1" u="sng" dirty="0"/>
           </a:p>
@@ -4440,11 +4456,7 @@
           <a:p>
             <a:r>
               <a:rPr lang="sr-Latn-RS" dirty="0" smtClean="0"/>
-              <a:t>Epipolarna </a:t>
-            </a:r>
-            <a:r>
-              <a:rPr lang="sr-Latn-RS" dirty="0" smtClean="0"/>
-              <a:t>geometrija - primer</a:t>
+              <a:t>Epipolarna geometrija - primer</a:t>
             </a:r>
             <a:endParaRPr lang="en-US" dirty="0"/>
           </a:p>
@@ -4851,11 +4863,7 @@
           <a:p>
             <a:r>
               <a:rPr lang="sr-Latn-RS" dirty="0" smtClean="0"/>
-              <a:t>Epipolarna </a:t>
-            </a:r>
-            <a:r>
-              <a:rPr lang="sr-Latn-RS" dirty="0" smtClean="0"/>
-              <a:t>geometrija – dubinska mapa</a:t>
+              <a:t>Epipolarna geometrija – dubinska mapa</a:t>
             </a:r>
             <a:endParaRPr lang="en-US" dirty="0"/>
           </a:p>
@@ -5114,6 +5122,169 @@
       </p:grpSpPr>
       <p:sp>
         <p:nvSpPr>
+          <p:cNvPr id="2" name="Title 1"/>
+          <p:cNvSpPr>
+            <a:spLocks noGrp="1"/>
+          </p:cNvSpPr>
+          <p:nvPr>
+            <p:ph type="title"/>
+          </p:nvPr>
+        </p:nvSpPr>
+        <p:spPr/>
+        <p:txBody>
+          <a:bodyPr>
+            <a:normAutofit/>
+          </a:bodyPr>
+          <a:lstStyle/>
+          <a:p>
+            <a:r>
+              <a:rPr lang="sr-Latn-RS" b="1" u="sng" dirty="0" smtClean="0"/>
+              <a:t>Korisni linkovi</a:t>
+            </a:r>
+            <a:endParaRPr lang="en-US" b="1" u="sng" dirty="0"/>
+          </a:p>
+        </p:txBody>
+      </p:sp>
+      <p:sp>
+        <p:nvSpPr>
+          <p:cNvPr id="3" name="Content Placeholder 2"/>
+          <p:cNvSpPr>
+            <a:spLocks noGrp="1"/>
+          </p:cNvSpPr>
+          <p:nvPr>
+            <p:ph idx="1"/>
+          </p:nvPr>
+        </p:nvSpPr>
+        <p:spPr/>
+        <p:txBody>
+          <a:bodyPr>
+            <a:normAutofit lnSpcReduction="10000"/>
+          </a:bodyPr>
+          <a:lstStyle/>
+          <a:p>
+            <a:r>
+              <a:rPr lang="en-US" b="1" dirty="0" smtClean="0"/>
+              <a:t>Tracking-Learning-Detection (TLD)</a:t>
+            </a:r>
+          </a:p>
+          <a:p>
+            <a:pPr lvl="1"/>
+            <a:r>
+              <a:rPr lang="en-US" dirty="0" smtClean="0">
+                <a:hlinkClick r:id="rId2"/>
+              </a:rPr>
+              <a:t>http</a:t>
+            </a:r>
+            <a:r>
+              <a:rPr lang="en-US" dirty="0" smtClean="0">
+                <a:hlinkClick r:id="rId2"/>
+              </a:rPr>
+              <a:t>://</a:t>
+            </a:r>
+            <a:r>
+              <a:rPr lang="en-US" dirty="0" smtClean="0">
+                <a:hlinkClick r:id="rId2"/>
+              </a:rPr>
+              <a:t>personal.ee.surrey.ac.uk/Personal/Z.Kalal/tld.html</a:t>
+            </a:r>
+            <a:endParaRPr lang="sr-Latn-RS" dirty="0" smtClean="0"/>
+          </a:p>
+          <a:p>
+            <a:pPr lvl="1"/>
+            <a:r>
+              <a:rPr lang="en-US" dirty="0" smtClean="0">
+                <a:hlinkClick r:id="rId3"/>
+              </a:rPr>
+              <a:t>http://</a:t>
+            </a:r>
+            <a:r>
+              <a:rPr lang="en-US" dirty="0" smtClean="0">
+                <a:hlinkClick r:id="rId3"/>
+              </a:rPr>
+              <a:t>kahlan.eps.surrey.ac.uk/featurespace/tld/Publications/2011_tpami</a:t>
+            </a:r>
+            <a:endParaRPr lang="sr-Latn-RS" dirty="0" smtClean="0"/>
+          </a:p>
+          <a:p>
+            <a:r>
+              <a:rPr lang="sr-Latn-RS" dirty="0" smtClean="0"/>
+              <a:t>Epipolarna geometrija</a:t>
+            </a:r>
+          </a:p>
+          <a:p>
+            <a:pPr lvl="1"/>
+            <a:r>
+              <a:rPr lang="en-US" dirty="0" smtClean="0">
+                <a:hlinkClick r:id="rId4"/>
+              </a:rPr>
+              <a:t>http://</a:t>
+            </a:r>
+            <a:r>
+              <a:rPr lang="en-US" dirty="0" smtClean="0">
+                <a:hlinkClick r:id="rId4"/>
+              </a:rPr>
+              <a:t>docs.opencv.org/master/da/de9/tutorial_py_epipolar_geometry.html#gsc.tab=0</a:t>
+            </a:r>
+            <a:endParaRPr lang="sr-Latn-RS" dirty="0" smtClean="0"/>
+          </a:p>
+          <a:p>
+            <a:pPr lvl="1"/>
+            <a:r>
+              <a:rPr lang="en-US" dirty="0" smtClean="0">
+                <a:hlinkClick r:id="rId5"/>
+              </a:rPr>
+              <a:t>http</a:t>
+            </a:r>
+            <a:r>
+              <a:rPr lang="en-US" dirty="0" smtClean="0">
+                <a:hlinkClick r:id="rId5"/>
+              </a:rPr>
+              <a:t>://</a:t>
+            </a:r>
+            <a:r>
+              <a:rPr lang="en-US" dirty="0" smtClean="0">
+                <a:hlinkClick r:id="rId5"/>
+              </a:rPr>
+              <a:t>docs.opencv.org/master/dd/d53/tutorial_py_depthmap.html#gsc.tab=0</a:t>
+            </a:r>
+            <a:endParaRPr lang="sr-Latn-RS" dirty="0" smtClean="0"/>
+          </a:p>
+          <a:p>
+            <a:pPr lvl="1"/>
+            <a:endParaRPr lang="sr-Latn-RS" dirty="0" smtClean="0"/>
+          </a:p>
+          <a:p>
+            <a:endParaRPr lang="en-US" dirty="0"/>
+          </a:p>
+        </p:txBody>
+      </p:sp>
+    </p:spTree>
+  </p:cSld>
+  <p:clrMapOvr>
+    <a:masterClrMapping/>
+  </p:clrMapOvr>
+</p:sld>
+</file>
+
+<file path=ppt/slides/slide21.xml><?xml version="1.0" encoding="utf-8"?>
+<p:sld xmlns:a="http://schemas.openxmlformats.org/drawingml/2006/main" xmlns:r="http://schemas.openxmlformats.org/officeDocument/2006/relationships" xmlns:p="http://schemas.openxmlformats.org/presentationml/2006/main">
+  <p:cSld>
+    <p:spTree>
+      <p:nvGrpSpPr>
+        <p:cNvPr id="1" name=""/>
+        <p:cNvGrpSpPr/>
+        <p:nvPr/>
+      </p:nvGrpSpPr>
+      <p:grpSpPr>
+        <a:xfrm>
+          <a:off x="0" y="0"/>
+          <a:ext cx="0" cy="0"/>
+          <a:chOff x="0" y="0"/>
+          <a:chExt cx="0" cy="0"/>
+        </a:xfrm>
+      </p:grpSpPr>
+      <p:sp>
+        <p:nvSpPr>
           <p:cNvPr id="4" name="TextBox 3"/>
           <p:cNvSpPr txBox="1"/>
           <p:nvPr/>
@@ -5268,7 +5439,6 @@
               <a:rPr lang="sr-Latn-RS" dirty="0" smtClean="0"/>
               <a:t>Neuronska mreža                               	</a:t>
             </a:r>
-            <a:endParaRPr lang="sr-Latn-RS" dirty="0" smtClean="0"/>
           </a:p>
         </p:txBody>
       </p:sp>
@@ -8133,19 +8303,7 @@
           <a:p>
             <a:r>
               <a:rPr lang="sr-Latn-RS" dirty="0" smtClean="0"/>
-              <a:t>Tracking klasifikator </a:t>
-            </a:r>
-            <a:r>
-              <a:rPr lang="sr-Latn-RS" dirty="0" smtClean="0"/>
-              <a:t>+ Auxiliary </a:t>
-            </a:r>
-            <a:r>
-              <a:rPr lang="sr-Latn-RS" dirty="0" smtClean="0"/>
-              <a:t>klasifikator (korisnik ili drugi nezavisni klasifikator</a:t>
-            </a:r>
-            <a:r>
-              <a:rPr lang="sr-Latn-RS" dirty="0" smtClean="0"/>
-              <a:t>)</a:t>
+              <a:t>Tracking klasifikator + Auxiliary klasifikator (korisnik ili drugi nezavisni klasifikator)</a:t>
             </a:r>
           </a:p>
           <a:p>
@@ -8166,7 +8324,6 @@
               <a:rPr lang="sr-Latn-RS" dirty="0" smtClean="0"/>
               <a:t>Prebrzo i prenaglo kretanje objekta</a:t>
             </a:r>
-            <a:endParaRPr lang="sr-Latn-RS" dirty="0" smtClean="0"/>
           </a:p>
           <a:p>
             <a:endParaRPr lang="en-US" dirty="0"/>
